--- a/JS-Back-End/02-NodeJS-Streams-and-Utilities/02. NodeJS-Streams-and-Utilities.pptx
+++ b/JS-Back-End/02-NodeJS-Streams-and-Utilities/02. NodeJS-Streams-and-Utilities.pptx
@@ -332,7 +332,7 @@
           <a:p>
             <a:fld id="{4E087215-0C8F-4762-A664-737A353EC9A4}" type="datetimeFigureOut">
               <a:rPr lang="bg-BG" smtClean="0"/>
-              <a:t>07.05.2020 г.</a:t>
+              <a:t>25.5.2020 г.</a:t>
             </a:fld>
             <a:endParaRPr lang="bg-BG"/>
           </a:p>
@@ -523,7 +523,7 @@
           <a:p>
             <a:fld id="{72D84649-876A-46C9-8472-14CB09C070D8}" type="datetimeFigureOut">
               <a:rPr lang="en-US" smtClean="0"/>
-              <a:t>5/7/2020</a:t>
+              <a:t>5/25/2020</a:t>
             </a:fld>
             <a:endParaRPr lang="en-US"/>
           </a:p>
@@ -3450,7 +3450,7 @@
                 <a:hlinkClick r:id="rId2">
                   <a:extLst>
                     <a:ext uri="{A12FA001-AC4F-418D-AE19-62706E023703}">
-                      <ahyp:hlinkClr xmlns:ahyp="http://schemas.microsoft.com/office/drawing/2018/hyperlinkcolor" xmlns="" val="tx"/>
+                      <ahyp:hlinkClr xmlns:ahyp="http://schemas.microsoft.com/office/drawing/2018/hyperlinkcolor" val="tx"/>
                     </a:ext>
                   </a:extLst>
                 </a:hlinkClick>
@@ -3458,7 +3458,7 @@
               <a:t>https://</a:t>
             </a:r>
             <a:r>
-              <a:rPr lang="en-US" sz="1600" u="sng" noProof="0" dirty="0" err="1" smtClean="0">
+              <a:rPr lang="en-US" sz="1600" u="sng" noProof="0" dirty="0" err="1">
                 <a:solidFill>
                   <a:schemeClr val="bg2"/>
                 </a:solidFill>
@@ -3469,7 +3469,7 @@
                 <a:hlinkClick r:id="rId2">
                   <a:extLst>
                     <a:ext uri="{A12FA001-AC4F-418D-AE19-62706E023703}">
-                      <ahyp:hlinkClr xmlns:ahyp="http://schemas.microsoft.com/office/drawing/2018/hyperlinkcolor" xmlns="" val="tx"/>
+                      <ahyp:hlinkClr xmlns:ahyp="http://schemas.microsoft.com/office/drawing/2018/hyperlinkcolor" val="tx"/>
                     </a:ext>
                   </a:extLst>
                 </a:hlinkClick>
@@ -3477,7 +3477,7 @@
               <a:t>softuni.</a:t>
             </a:r>
             <a:r>
-              <a:rPr lang="en-US" sz="1600" u="sng" noProof="0" dirty="0" err="1" smtClean="0">
+              <a:rPr lang="en-US" sz="1600" u="sng" noProof="0" dirty="0" err="1">
                 <a:solidFill>
                   <a:schemeClr val="bg1"/>
                 </a:solidFill>
@@ -3489,7 +3489,7 @@
               <a:t>bg</a:t>
             </a:r>
             <a:r>
-              <a:rPr lang="en-US" sz="1600" noProof="0" dirty="0" smtClean="0">
+              <a:rPr lang="en-US" sz="1600" noProof="0" dirty="0">
                 <a:solidFill>
                   <a:schemeClr val="bg2"/>
                 </a:solidFill>
@@ -3498,19 +3498,7 @@
                 <a:ea typeface="Calibri" panose="020F0502020204030204" pitchFamily="34" charset="0"/>
                 <a:cs typeface="Arial" panose="020B0604020202020204" pitchFamily="34" charset="0"/>
               </a:rPr>
-              <a:t>. </a:t>
-            </a:r>
-            <a:r>
-              <a:rPr lang="en-US" sz="1600" noProof="0" dirty="0">
-                <a:solidFill>
-                  <a:schemeClr val="bg2"/>
-                </a:solidFill>
-                <a:effectLst/>
-                <a:latin typeface="Calibri" panose="020F0502020204030204" pitchFamily="34" charset="0"/>
-                <a:ea typeface="Calibri" panose="020F0502020204030204" pitchFamily="34" charset="0"/>
-                <a:cs typeface="Arial" panose="020B0604020202020204" pitchFamily="34" charset="0"/>
-              </a:rPr>
-              <a:t>Copyrighted document. Unauthorized copy, reproduction or use is not permitted.</a:t>
+              <a:t>. Copyrighted document. Unauthorized copy, reproduction or use is not permitted.</a:t>
             </a:r>
             <a:endParaRPr lang="en-US" sz="2400" noProof="0" dirty="0">
               <a:solidFill>
@@ -4302,7 +4290,7 @@
       <p:transition spd="slow" advClick="0" advTm="5000"/>
     </mc:Fallback>
   </mc:AlternateContent>
-  <p:extLst mod="1">
+  <p:extLst>
     <p:ext uri="{DCECCB84-F9BA-43D5-87BE-67443E8EF086}">
       <p15:sldGuideLst xmlns:p15="http://schemas.microsoft.com/office/powerpoint/2012/main">
         <p15:guide id="1" orient="horz" pos="2160">
@@ -13224,7 +13212,7 @@
                 <a:hlinkClick r:id="rId2">
                   <a:extLst>
                     <a:ext uri="{A12FA001-AC4F-418D-AE19-62706E023703}">
-                      <ahyp:hlinkClr xmlns:ahyp="http://schemas.microsoft.com/office/drawing/2018/hyperlinkcolor" xmlns="" val="tx"/>
+                      <ahyp:hlinkClr xmlns:ahyp="http://schemas.microsoft.com/office/drawing/2018/hyperlinkcolor" val="tx"/>
                     </a:ext>
                   </a:extLst>
                 </a:hlinkClick>
@@ -13232,7 +13220,7 @@
               <a:t>https://</a:t>
             </a:r>
             <a:r>
-              <a:rPr kumimoji="0" lang="en-US" sz="1600" b="0" i="0" u="sng" strike="noStrike" kern="1200" cap="none" spc="0" normalizeH="0" baseline="0" noProof="0" dirty="0" err="1" smtClean="0">
+              <a:rPr kumimoji="0" lang="en-US" sz="1600" b="0" i="0" u="sng" strike="noStrike" kern="1200" cap="none" spc="0" normalizeH="0" baseline="0" noProof="0" dirty="0" err="1">
                 <a:ln>
                   <a:noFill/>
                 </a:ln>
@@ -13248,7 +13236,7 @@
                 <a:hlinkClick r:id="rId2">
                   <a:extLst>
                     <a:ext uri="{A12FA001-AC4F-418D-AE19-62706E023703}">
-                      <ahyp:hlinkClr xmlns:ahyp="http://schemas.microsoft.com/office/drawing/2018/hyperlinkcolor" xmlns="" val="tx"/>
+                      <ahyp:hlinkClr xmlns:ahyp="http://schemas.microsoft.com/office/drawing/2018/hyperlinkcolor" val="tx"/>
                     </a:ext>
                   </a:extLst>
                 </a:hlinkClick>
@@ -13256,7 +13244,7 @@
               <a:t>softuni.</a:t>
             </a:r>
             <a:r>
-              <a:rPr kumimoji="0" lang="en-US" sz="1600" b="0" i="0" u="sng" strike="noStrike" kern="1200" cap="none" spc="0" normalizeH="0" baseline="0" noProof="0" dirty="0" err="1" smtClean="0">
+              <a:rPr kumimoji="0" lang="en-US" sz="1600" b="0" i="0" u="sng" strike="noStrike" kern="1200" cap="none" spc="0" normalizeH="0" baseline="0" noProof="0" dirty="0" err="1">
                 <a:ln>
                   <a:noFill/>
                 </a:ln>
@@ -13273,7 +13261,7 @@
               <a:t>bg</a:t>
             </a:r>
             <a:r>
-              <a:rPr kumimoji="0" lang="en-US" sz="1600" b="0" i="0" u="none" strike="noStrike" kern="1200" cap="none" spc="0" normalizeH="0" baseline="0" noProof="0" dirty="0" smtClean="0">
+              <a:rPr kumimoji="0" lang="en-US" sz="1600" b="0" i="0" u="none" strike="noStrike" kern="1200" cap="none" spc="0" normalizeH="0" baseline="0" noProof="0" dirty="0">
                 <a:ln>
                   <a:noFill/>
                 </a:ln>
@@ -13287,24 +13275,7 @@
                 <a:ea typeface="Calibri" panose="020F0502020204030204" pitchFamily="34" charset="0"/>
                 <a:cs typeface="Arial" panose="020B0604020202020204" pitchFamily="34" charset="0"/>
               </a:rPr>
-              <a:t>. </a:t>
-            </a:r>
-            <a:r>
-              <a:rPr kumimoji="0" lang="en-US" sz="1600" b="0" i="0" u="none" strike="noStrike" kern="1200" cap="none" spc="0" normalizeH="0" baseline="0" noProof="0" dirty="0">
-                <a:ln>
-                  <a:noFill/>
-                </a:ln>
-                <a:solidFill>
-                  <a:srgbClr val="FFFFFF"/>
-                </a:solidFill>
-                <a:effectLst/>
-                <a:uLnTx/>
-                <a:uFillTx/>
-                <a:latin typeface="Calibri" panose="020F0502020204030204" pitchFamily="34" charset="0"/>
-                <a:ea typeface="Calibri" panose="020F0502020204030204" pitchFamily="34" charset="0"/>
-                <a:cs typeface="Arial" panose="020B0604020202020204" pitchFamily="34" charset="0"/>
-              </a:rPr>
-              <a:t>Copyrighted document. Unauthorized copy, reproduction or use is not permitted.</a:t>
+              <a:t>. Copyrighted document. Unauthorized copy, reproduction or use is not permitted.</a:t>
             </a:r>
             <a:endParaRPr kumimoji="0" lang="en-US" sz="2400" b="0" i="0" u="none" strike="noStrike" kern="1200" cap="none" spc="0" normalizeH="0" baseline="0" noProof="0" dirty="0">
               <a:ln>
@@ -14101,7 +14072,7 @@
       <p:transition spd="slow" advClick="0" advTm="5000"/>
     </mc:Fallback>
   </mc:AlternateContent>
-  <p:extLst mod="1">
+  <p:extLst>
     <p:ext uri="{DCECCB84-F9BA-43D5-87BE-67443E8EF086}">
       <p15:sldGuideLst xmlns:p15="http://schemas.microsoft.com/office/powerpoint/2012/main">
         <p15:guide id="1" orient="horz" pos="2160">
@@ -21697,13 +21668,6 @@
       <p:transition spd="slow" advClick="0" advTm="5000"/>
     </mc:Fallback>
   </mc:AlternateContent>
-  <p:timing>
-    <p:tnLst>
-      <p:par>
-        <p:cTn id="1" dur="indefinite" restart="never" nodeType="tmRoot"/>
-      </p:par>
-    </p:tnLst>
-  </p:timing>
 </p:sld>
 </file>
 
@@ -26089,7 +26053,7 @@
               <a:buNone/>
             </a:pPr>
             <a:endParaRPr lang="en-US" sz="1900" dirty="0">
-              <a:hlinkClick r:id=""/>
+              <a:hlinkClick r:id="" action="ppaction://noaction"/>
             </a:endParaRPr>
           </a:p>
           <a:p>
@@ -26097,7 +26061,7 @@
               <a:buNone/>
             </a:pPr>
             <a:endParaRPr lang="en-US" sz="1900" dirty="0">
-              <a:hlinkClick r:id=""/>
+              <a:hlinkClick r:id="" action="ppaction://noaction"/>
             </a:endParaRPr>
           </a:p>
           <a:p>
@@ -26105,7 +26069,7 @@
               <a:buNone/>
             </a:pPr>
             <a:endParaRPr lang="en-US" sz="1900" dirty="0">
-              <a:hlinkClick r:id=""/>
+              <a:hlinkClick r:id="" action="ppaction://noaction"/>
             </a:endParaRPr>
           </a:p>
           <a:p>
@@ -26113,7 +26077,7 @@
               <a:buNone/>
             </a:pPr>
             <a:endParaRPr lang="en-US" sz="1900" dirty="0">
-              <a:hlinkClick r:id=""/>
+              <a:hlinkClick r:id="" action="ppaction://noaction"/>
             </a:endParaRPr>
           </a:p>
           <a:p>
@@ -26121,7 +26085,7 @@
               <a:buNone/>
             </a:pPr>
             <a:endParaRPr lang="en-US" sz="1900" dirty="0">
-              <a:hlinkClick r:id=""/>
+              <a:hlinkClick r:id="" action="ppaction://noaction"/>
             </a:endParaRPr>
           </a:p>
           <a:p>
@@ -26129,7 +26093,7 @@
               <a:buNone/>
             </a:pPr>
             <a:endParaRPr lang="en-US" sz="1900" dirty="0">
-              <a:hlinkClick r:id=""/>
+              <a:hlinkClick r:id="" action="ppaction://noaction"/>
             </a:endParaRPr>
           </a:p>
           <a:p>
@@ -26137,7 +26101,7 @@
               <a:buNone/>
             </a:pPr>
             <a:endParaRPr lang="en-US" sz="1900" dirty="0">
-              <a:hlinkClick r:id=""/>
+              <a:hlinkClick r:id="" action="ppaction://noaction"/>
             </a:endParaRPr>
           </a:p>
           <a:p>
@@ -26145,7 +26109,7 @@
               <a:buNone/>
             </a:pPr>
             <a:endParaRPr lang="en-US" sz="1900" dirty="0">
-              <a:hlinkClick r:id=""/>
+              <a:hlinkClick r:id="" action="ppaction://noaction"/>
             </a:endParaRPr>
           </a:p>
           <a:p>
@@ -27430,10 +27394,9 @@
           <a:lstStyle/>
           <a:p>
             <a:r>
-              <a:rPr lang="en-US" smtClean="0"/>
+              <a:rPr lang="en-US"/>
               <a:t>Events</a:t>
             </a:r>
-            <a:endParaRPr lang="en-US"/>
           </a:p>
         </p:txBody>
       </p:sp>
@@ -27474,13 +27437,6 @@
       <p:transition spd="slow" advClick="0" advTm="5000"/>
     </mc:Fallback>
   </mc:AlternateContent>
-  <p:timing>
-    <p:tnLst>
-      <p:par>
-        <p:cTn id="1" dur="indefinite" restart="never" nodeType="tmRoot"/>
-      </p:par>
-    </p:tnLst>
-  </p:timing>
 </p:sld>
 </file>
 
@@ -28511,10 +28467,9 @@
           <a:lstStyle/>
           <a:p>
             <a:r>
-              <a:rPr lang="en-US" smtClean="0"/>
+              <a:rPr lang="en-US"/>
               <a:t>FS Module</a:t>
             </a:r>
-            <a:endParaRPr lang="en-US"/>
           </a:p>
         </p:txBody>
       </p:sp>
@@ -28555,13 +28510,6 @@
       <p:transition spd="slow" advClick="0" advTm="5000"/>
     </mc:Fallback>
   </mc:AlternateContent>
-  <p:timing>
-    <p:tnLst>
-      <p:par>
-        <p:cTn id="1" dur="indefinite" restart="never" nodeType="tmRoot"/>
-      </p:par>
-    </p:tnLst>
-  </p:timing>
 </p:sld>
 </file>
 
@@ -34079,19 +34027,6 @@
               </a:rPr>
               <a:t>});</a:t>
             </a:r>
-            <a:r>
-              <a:rPr lang="bg-BG" sz="2400" dirty="0">
-                <a:solidFill>
-                  <a:schemeClr val="tx2"/>
-                </a:solidFill>
-              </a:rPr>
-              <a:t>Ч</a:t>
-            </a:r>
-            <a:endParaRPr lang="en-US" sz="2400" dirty="0">
-              <a:solidFill>
-                <a:schemeClr val="tx2"/>
-              </a:solidFill>
-            </a:endParaRPr>
           </a:p>
         </p:txBody>
       </p:sp>
@@ -34532,7 +34467,7 @@
               <a:buSzPct val="70000"/>
             </a:pPr>
             <a:r>
-              <a:rPr lang="en-US" sz="2400">
+              <a:rPr lang="en-US" sz="2400" dirty="0" err="1">
                 <a:solidFill>
                   <a:schemeClr val="tx2"/>
                 </a:solidFill>
@@ -34540,7 +34475,7 @@
               <a:t>fs.</a:t>
             </a:r>
             <a:r>
-              <a:rPr lang="en-US" sz="2400">
+              <a:rPr lang="en-US" sz="2400" dirty="0" err="1">
                 <a:solidFill>
                   <a:schemeClr val="bg1"/>
                 </a:solidFill>
@@ -34548,12 +34483,28 @@
               <a:t>rmdirSync</a:t>
             </a:r>
             <a:r>
-              <a:rPr lang="en-US" sz="2400">
+              <a:rPr lang="en-US" sz="2400" dirty="0">
                 <a:solidFill>
                   <a:schemeClr val="tx2"/>
                 </a:solidFill>
               </a:rPr>
-              <a:t>('./myDir');</a:t>
+              <a:t>('./</a:t>
+            </a:r>
+            <a:r>
+              <a:rPr lang="en-US" sz="2400" dirty="0" err="1">
+                <a:solidFill>
+                  <a:schemeClr val="tx2"/>
+                </a:solidFill>
+              </a:rPr>
+              <a:t>myDir</a:t>
+            </a:r>
+            <a:r>
+              <a:rPr lang="en-US" sz="2400" dirty="0">
+                <a:solidFill>
+                  <a:schemeClr val="tx2"/>
+                </a:solidFill>
+              </a:rPr>
+              <a:t>');</a:t>
             </a:r>
           </a:p>
         </p:txBody>
@@ -35119,10 +35070,9 @@
           <a:lstStyle/>
           <a:p>
             <a:r>
-              <a:rPr lang="en-US" smtClean="0"/>
+              <a:rPr lang="en-US"/>
               <a:t>Debugging</a:t>
             </a:r>
-            <a:endParaRPr lang="en-US"/>
           </a:p>
         </p:txBody>
       </p:sp>
@@ -35163,13 +35113,6 @@
       <p:transition spd="slow" advClick="0" advTm="5000"/>
     </mc:Fallback>
   </mc:AlternateContent>
-  <p:timing>
-    <p:tnLst>
-      <p:par>
-        <p:cTn id="1" dur="indefinite" restart="never" nodeType="tmRoot"/>
-      </p:par>
-    </p:tnLst>
-  </p:timing>
 </p:sld>
 </file>
 
@@ -35795,10 +35738,9 @@
           <a:lstStyle/>
           <a:p>
             <a:r>
-              <a:rPr lang="en-US" smtClean="0"/>
+              <a:rPr lang="en-US"/>
               <a:t>Live Exercises</a:t>
             </a:r>
-            <a:endParaRPr lang="en-US"/>
           </a:p>
         </p:txBody>
       </p:sp>
@@ -35820,13 +35762,6 @@
       <p:transition spd="slow" advClick="0" advTm="5000"/>
     </mc:Fallback>
   </mc:AlternateContent>
-  <p:timing>
-    <p:tnLst>
-      <p:par>
-        <p:cTn id="1" dur="indefinite" restart="never" nodeType="tmRoot"/>
-      </p:par>
-    </p:tnLst>
-  </p:timing>
 </p:sld>
 </file>
 
@@ -35881,10 +35816,6 @@
               </a:rPr>
               <a:t>sli.do</a:t>
             </a:r>
-            <a:r>
-              <a:rPr lang="en-US" sz="5998" b="1" dirty="0"/>
-              <a:t/>
-            </a:r>
             <a:br>
               <a:rPr lang="en-US" sz="5998" b="1" dirty="0"/>
             </a:br>
@@ -35982,13 +35913,6 @@
   <p:clrMapOvr>
     <a:masterClrMapping/>
   </p:clrMapOvr>
-  <p:timing>
-    <p:tnLst>
-      <p:par>
-        <p:cTn id="1" dur="indefinite" restart="never" nodeType="tmRoot"/>
-      </p:par>
-    </p:tnLst>
-  </p:timing>
 </p:sld>
 </file>
 
@@ -37207,22 +37131,18 @@
           <a:p>
             <a:pPr lvl="1"/>
             <a:r>
-              <a:rPr lang="en-US" sz="3000" noProof="1" smtClean="0">
+              <a:rPr lang="en-US" sz="3000" noProof="1">
                 <a:hlinkClick r:id="rId3"/>
               </a:rPr>
               <a:t>softuni.bg</a:t>
             </a:r>
-            <a:endParaRPr lang="bg-BG" sz="3000" noProof="1" smtClean="0"/>
+            <a:endParaRPr lang="bg-BG" sz="3000" noProof="1"/>
           </a:p>
           <a:p>
             <a:pPr lvl="1"/>
             <a:r>
-              <a:rPr lang="en-US" sz="3200" dirty="0" smtClean="0"/>
-              <a:t>Software </a:t>
-            </a:r>
-            <a:r>
               <a:rPr lang="en-US" sz="3200" dirty="0"/>
-              <a:t>University Foundation</a:t>
+              <a:t>Software University Foundation</a:t>
             </a:r>
             <a:endParaRPr lang="bg-BG" sz="3200" dirty="0"/>
           </a:p>
@@ -37453,19 +37373,19 @@
               <a:t>© SoftUni – </a:t>
             </a:r>
             <a:r>
-              <a:rPr lang="en-US" dirty="0" smtClean="0">
+              <a:rPr lang="en-US" dirty="0">
                 <a:hlinkClick r:id="rId3"/>
               </a:rPr>
               <a:t>https://</a:t>
             </a:r>
             <a:r>
-              <a:rPr lang="en-US" dirty="0" err="1" smtClean="0">
+              <a:rPr lang="en-US" dirty="0" err="1">
                 <a:hlinkClick r:id="rId3"/>
               </a:rPr>
               <a:t>about.softuni.bg</a:t>
             </a:r>
             <a:r>
-              <a:rPr lang="en-US" smtClean="0">
+              <a:rPr lang="en-US">
                 <a:hlinkClick r:id="rId3"/>
               </a:rPr>
               <a:t>/</a:t>
@@ -37688,10 +37608,9 @@
           <a:lstStyle/>
           <a:p>
             <a:r>
-              <a:rPr lang="en-US" smtClean="0"/>
+              <a:rPr lang="en-US"/>
               <a:t>Publish-Subscribe Pattern</a:t>
             </a:r>
-            <a:endParaRPr lang="en-US"/>
           </a:p>
         </p:txBody>
       </p:sp>
@@ -37732,13 +37651,6 @@
       <p:transition spd="slow" advClick="0" advTm="5000"/>
     </mc:Fallback>
   </mc:AlternateContent>
-  <p:timing>
-    <p:tnLst>
-      <p:par>
-        <p:cTn id="1" dur="indefinite" restart="never" nodeType="tmRoot"/>
-      </p:par>
-    </p:tnLst>
-  </p:timing>
 </p:sld>
 </file>
 
@@ -39841,24 +39753,20 @@
               <a:t>Makes software more </a:t>
             </a:r>
             <a:r>
-              <a:rPr lang="en-US" b="1" dirty="0" smtClean="0">
+              <a:rPr lang="en-US" b="1" dirty="0">
                 <a:solidFill>
                   <a:schemeClr val="bg1"/>
                 </a:solidFill>
               </a:rPr>
               <a:t>flexible</a:t>
             </a:r>
-            <a:endParaRPr lang="en-US" dirty="0" smtClean="0"/>
+            <a:endParaRPr lang="en-US" dirty="0"/>
           </a:p>
           <a:p>
             <a:pPr eaLnBrk="0" latinLnBrk="0" hangingPunct="0"/>
             <a:r>
-              <a:rPr lang="en-US" dirty="0" smtClean="0"/>
-              <a:t>Eliminate </a:t>
-            </a:r>
-            <a:r>
               <a:rPr lang="en-US" dirty="0"/>
-              <a:t>Polling</a:t>
+              <a:t>Eliminate Polling</a:t>
             </a:r>
           </a:p>
           <a:p>
@@ -39891,12 +39799,8 @@
           <a:p>
             <a:pPr eaLnBrk="0" latinLnBrk="0" hangingPunct="0"/>
             <a:r>
-              <a:rPr lang="en-US" dirty="0" smtClean="0"/>
-              <a:t>Simplify </a:t>
-            </a:r>
-            <a:r>
               <a:rPr lang="en-US" dirty="0"/>
-              <a:t>Communication</a:t>
+              <a:t>Simplify Communication</a:t>
             </a:r>
           </a:p>
           <a:p>
@@ -39918,7 +39822,7 @@
               <a:t> all the </a:t>
             </a:r>
             <a:r>
-              <a:rPr lang="en-US" b="1" dirty="0" smtClean="0">
+              <a:rPr lang="en-US" b="1" dirty="0">
                 <a:solidFill>
                   <a:schemeClr val="bg1"/>
                 </a:solidFill>
@@ -40195,10 +40099,9 @@
           <a:lstStyle/>
           <a:p>
             <a:r>
-              <a:rPr lang="en-US" smtClean="0"/>
+              <a:rPr lang="en-US"/>
               <a:t>Streams</a:t>
             </a:r>
-            <a:endParaRPr lang="en-US"/>
           </a:p>
         </p:txBody>
       </p:sp>
@@ -40239,13 +40142,6 @@
       <p:transition spd="slow" advClick="0" advTm="5000"/>
     </mc:Fallback>
   </mc:AlternateContent>
-  <p:timing>
-    <p:tnLst>
-      <p:par>
-        <p:cTn id="1" dur="indefinite" restart="never" nodeType="tmRoot"/>
-      </p:par>
-    </p:tnLst>
-  </p:timing>
 </p:sld>
 </file>
 
